--- a/document/01_要件定義_基本設計/システムのイメージ.pptx
+++ b/document/01_要件定義_基本設計/システムのイメージ.pptx
@@ -83,7 +83,7 @@
         <p:txBody>
           <a:bodyPr/>
           <a:p>
-            <a:fld id="{BF5CDE7B-313E-4EE3-BE46-8F56833603E1}" type="slidenum">
+            <a:fld id="{76A270BB-9A76-4C43-982F-19B335BC2063}" type="slidenum">
               <a:t>&lt;#&gt;</a:t>
             </a:fld>
           </a:p>
@@ -292,7 +292,7 @@
         <p:txBody>
           <a:bodyPr/>
           <a:p>
-            <a:fld id="{747F7B88-BF86-4F17-BB32-7D19B0392A99}" type="slidenum">
+            <a:fld id="{7836122C-A7F2-45F3-BB34-7212616D2701}" type="slidenum">
               <a:t>&lt;#&gt;</a:t>
             </a:fld>
           </a:p>
@@ -587,7 +587,7 @@
         <p:txBody>
           <a:bodyPr/>
           <a:p>
-            <a:fld id="{7FEC71E7-681D-4E25-A2ED-DD583D21BB42}" type="slidenum">
+            <a:fld id="{C8ADD163-02F9-4F34-A143-211148A033F1}" type="slidenum">
               <a:t>&lt;#&gt;</a:t>
             </a:fld>
           </a:p>
@@ -968,7 +968,7 @@
         <p:txBody>
           <a:bodyPr/>
           <a:p>
-            <a:fld id="{0901A2F4-7F9D-4FD2-8075-DAA93940366B}" type="slidenum">
+            <a:fld id="{496EE641-CF8E-4B70-8442-AD6717FB2C75}" type="slidenum">
               <a:t>&lt;#&gt;</a:t>
             </a:fld>
           </a:p>
@@ -1051,7 +1051,7 @@
         <p:txBody>
           <a:bodyPr/>
           <a:p>
-            <a:fld id="{172C63D5-35B7-4490-BAFA-76D9E53F2903}" type="slidenum">
+            <a:fld id="{82F9A948-849D-4537-B446-AD3967D845A3}" type="slidenum">
               <a:t>&lt;#&gt;</a:t>
             </a:fld>
           </a:p>
@@ -1214,7 +1214,7 @@
         <p:txBody>
           <a:bodyPr/>
           <a:p>
-            <a:fld id="{8DC7CAC5-76C5-4992-B65C-38864A5B7DE6}" type="slidenum">
+            <a:fld id="{6FCF3247-6132-481F-9B0A-99174113CCD9}" type="slidenum">
               <a:t>&lt;#&gt;</a:t>
             </a:fld>
           </a:p>
@@ -1380,7 +1380,7 @@
         <p:txBody>
           <a:bodyPr/>
           <a:p>
-            <a:fld id="{F1AF92B9-8500-46C6-864A-DF05182363AB}" type="slidenum">
+            <a:fld id="{F1BA550F-BAB7-4449-A48B-BBBBF55E9793}" type="slidenum">
               <a:t>&lt;#&gt;</a:t>
             </a:fld>
           </a:p>
@@ -1589,7 +1589,7 @@
         <p:txBody>
           <a:bodyPr/>
           <a:p>
-            <a:fld id="{09C32C2C-B68C-4EE2-89CB-6EB730430CBF}" type="slidenum">
+            <a:fld id="{5204F6AB-719B-447B-9186-B7607EE45499}" type="slidenum">
               <a:t>&lt;#&gt;</a:t>
             </a:fld>
           </a:p>
@@ -1712,7 +1712,7 @@
         <p:txBody>
           <a:bodyPr/>
           <a:p>
-            <a:fld id="{A753A455-896B-44BA-82FC-A6058984463F}" type="slidenum">
+            <a:fld id="{5D2E404C-0642-4562-9518-38123AC7A1D3}" type="slidenum">
               <a:t>&lt;#&gt;</a:t>
             </a:fld>
           </a:p>
@@ -1833,7 +1833,7 @@
         <p:txBody>
           <a:bodyPr/>
           <a:p>
-            <a:fld id="{93FFD867-AD03-43B7-9713-43D55555A970}" type="slidenum">
+            <a:fld id="{D0F52D00-1E5B-4924-A1C9-39AE50873CA8}" type="slidenum">
               <a:t>&lt;#&gt;</a:t>
             </a:fld>
           </a:p>
@@ -2085,7 +2085,7 @@
         <p:txBody>
           <a:bodyPr/>
           <a:p>
-            <a:fld id="{B43B5717-30D2-48D8-BEC4-4D9326D6ABAA}" type="slidenum">
+            <a:fld id="{7D63E472-17A7-4484-A274-8E4325CBE31F}" type="slidenum">
               <a:t>&lt;#&gt;</a:t>
             </a:fld>
           </a:p>
@@ -2248,7 +2248,7 @@
         <p:txBody>
           <a:bodyPr/>
           <a:p>
-            <a:fld id="{CCB4A39E-A51B-4537-AE58-888C7B7DE5D9}" type="slidenum">
+            <a:fld id="{B0719D1D-D5B0-4208-AF71-B2AB258512B6}" type="slidenum">
               <a:t>&lt;#&gt;</a:t>
             </a:fld>
           </a:p>
@@ -2500,7 +2500,7 @@
         <p:txBody>
           <a:bodyPr/>
           <a:p>
-            <a:fld id="{C4A5E8BF-6DB0-4D61-BB4A-8280A3DD2763}" type="slidenum">
+            <a:fld id="{3E4F40C0-E9C5-4FBB-A9B4-C5CF19C0B87B}" type="slidenum">
               <a:t>&lt;#&gt;</a:t>
             </a:fld>
           </a:p>
@@ -2752,7 +2752,7 @@
         <p:txBody>
           <a:bodyPr/>
           <a:p>
-            <a:fld id="{AB5FD4C9-4C55-4E78-81F7-7021416A2F0D}" type="slidenum">
+            <a:fld id="{A6189C2A-4EB3-45E8-9BEE-AEF279374EA0}" type="slidenum">
               <a:t>&lt;#&gt;</a:t>
             </a:fld>
           </a:p>
@@ -2961,7 +2961,7 @@
         <p:txBody>
           <a:bodyPr/>
           <a:p>
-            <a:fld id="{87C2F314-E905-4F67-A56C-6AA3B25F3FAA}" type="slidenum">
+            <a:fld id="{53351D31-3E3B-40C9-B4F0-4DD00308673B}" type="slidenum">
               <a:t>&lt;#&gt;</a:t>
             </a:fld>
           </a:p>
@@ -3256,7 +3256,7 @@
         <p:txBody>
           <a:bodyPr/>
           <a:p>
-            <a:fld id="{F6F25052-8B19-40CF-B006-C99E33F8ECAF}" type="slidenum">
+            <a:fld id="{32D819CA-E6C4-4CEA-9285-45D3147AE2BB}" type="slidenum">
               <a:t>&lt;#&gt;</a:t>
             </a:fld>
           </a:p>
@@ -3637,7 +3637,7 @@
         <p:txBody>
           <a:bodyPr/>
           <a:p>
-            <a:fld id="{5C21A59C-1738-45B0-8928-47CB09A4FE62}" type="slidenum">
+            <a:fld id="{0FFEC9F1-D9C8-4928-9CDD-206BEB4D3AA0}" type="slidenum">
               <a:t>&lt;#&gt;</a:t>
             </a:fld>
           </a:p>
@@ -3720,7 +3720,7 @@
         <p:txBody>
           <a:bodyPr/>
           <a:p>
-            <a:fld id="{BB3E9912-B937-41E8-8EE4-091041C7359F}" type="slidenum">
+            <a:fld id="{F70EFF1F-3449-4741-BB32-28A367FE24B7}" type="slidenum">
               <a:t>&lt;#&gt;</a:t>
             </a:fld>
           </a:p>
@@ -3883,7 +3883,7 @@
         <p:txBody>
           <a:bodyPr/>
           <a:p>
-            <a:fld id="{0115C93C-A10C-4121-854E-311725631C4D}" type="slidenum">
+            <a:fld id="{102ABF37-FB1B-46B3-9888-2E8401467EE6}" type="slidenum">
               <a:t>&lt;#&gt;</a:t>
             </a:fld>
           </a:p>
@@ -4049,7 +4049,7 @@
         <p:txBody>
           <a:bodyPr/>
           <a:p>
-            <a:fld id="{F09C7AC6-1FBE-4A2A-82D1-55B1FC5DBE17}" type="slidenum">
+            <a:fld id="{9AE514FB-7647-44EF-B7EF-98672BF2134D}" type="slidenum">
               <a:t>&lt;#&gt;</a:t>
             </a:fld>
           </a:p>
@@ -4258,7 +4258,7 @@
         <p:txBody>
           <a:bodyPr/>
           <a:p>
-            <a:fld id="{FA7E1FEB-F6DD-4F7E-B639-C213B7C95D37}" type="slidenum">
+            <a:fld id="{26703AA6-14D3-4CE2-9213-B88D3AB385E0}" type="slidenum">
               <a:t>&lt;#&gt;</a:t>
             </a:fld>
           </a:p>
@@ -4381,7 +4381,7 @@
         <p:txBody>
           <a:bodyPr/>
           <a:p>
-            <a:fld id="{FDC706DF-BD0D-4B99-803B-4141C29D7876}" type="slidenum">
+            <a:fld id="{F27C2D5F-0B2E-4BC3-B08E-EB0BC09930A8}" type="slidenum">
               <a:t>&lt;#&gt;</a:t>
             </a:fld>
           </a:p>
@@ -4547,7 +4547,7 @@
         <p:txBody>
           <a:bodyPr/>
           <a:p>
-            <a:fld id="{4BE50119-BE40-455D-9706-DBC107AB4C20}" type="slidenum">
+            <a:fld id="{B59A08DB-D2DF-4131-8400-D953F6883383}" type="slidenum">
               <a:t>&lt;#&gt;</a:t>
             </a:fld>
           </a:p>
@@ -4668,7 +4668,7 @@
         <p:txBody>
           <a:bodyPr/>
           <a:p>
-            <a:fld id="{48119CDC-5612-49D3-93B2-508F72E4FF4A}" type="slidenum">
+            <a:fld id="{DC47EAE6-6273-4865-9AFD-94FBE9544D12}" type="slidenum">
               <a:t>&lt;#&gt;</a:t>
             </a:fld>
           </a:p>
@@ -4920,7 +4920,7 @@
         <p:txBody>
           <a:bodyPr/>
           <a:p>
-            <a:fld id="{4A7F57CB-AE27-4822-828F-C56F9EC8E6C4}" type="slidenum">
+            <a:fld id="{288401EE-5351-4CD4-B1D0-42DDA38BEAFA}" type="slidenum">
               <a:t>&lt;#&gt;</a:t>
             </a:fld>
           </a:p>
@@ -5172,7 +5172,7 @@
         <p:txBody>
           <a:bodyPr/>
           <a:p>
-            <a:fld id="{C57577CE-38F2-4E50-AE58-0FE8876E17F2}" type="slidenum">
+            <a:fld id="{D03653D9-93AD-4B4A-A6C4-411381997757}" type="slidenum">
               <a:t>&lt;#&gt;</a:t>
             </a:fld>
           </a:p>
@@ -5424,7 +5424,7 @@
         <p:txBody>
           <a:bodyPr/>
           <a:p>
-            <a:fld id="{9BE8AC59-30A1-4440-8153-399365AB4522}" type="slidenum">
+            <a:fld id="{504A4092-A3AA-4768-9543-02D13CB011BA}" type="slidenum">
               <a:t>&lt;#&gt;</a:t>
             </a:fld>
           </a:p>
@@ -5633,7 +5633,7 @@
         <p:txBody>
           <a:bodyPr/>
           <a:p>
-            <a:fld id="{13B82728-C55E-4630-98C1-D6C2F736A873}" type="slidenum">
+            <a:fld id="{50D77809-E960-46D2-B0F0-22B4367FA03C}" type="slidenum">
               <a:t>&lt;#&gt;</a:t>
             </a:fld>
           </a:p>
@@ -5928,7 +5928,7 @@
         <p:txBody>
           <a:bodyPr/>
           <a:p>
-            <a:fld id="{2EF70601-50D6-41BE-9A16-0D3FC8D38119}" type="slidenum">
+            <a:fld id="{6F19046B-6E2D-46BD-8E5F-8A6F216D419B}" type="slidenum">
               <a:t>&lt;#&gt;</a:t>
             </a:fld>
           </a:p>
@@ -6309,7 +6309,7 @@
         <p:txBody>
           <a:bodyPr/>
           <a:p>
-            <a:fld id="{879E726C-9A94-4529-8622-0D0A3FCA1EF8}" type="slidenum">
+            <a:fld id="{32A414AF-8786-4869-B859-6A27E6879B1D}" type="slidenum">
               <a:t>&lt;#&gt;</a:t>
             </a:fld>
           </a:p>
@@ -6392,7 +6392,7 @@
         <p:txBody>
           <a:bodyPr/>
           <a:p>
-            <a:fld id="{D478E11A-2E50-48E3-BD73-12B448F7CD50}" type="slidenum">
+            <a:fld id="{C2A27BDD-D38A-4FF6-9209-E9120523B866}" type="slidenum">
               <a:t>&lt;#&gt;</a:t>
             </a:fld>
           </a:p>
@@ -6555,7 +6555,7 @@
         <p:txBody>
           <a:bodyPr/>
           <a:p>
-            <a:fld id="{2B00BACA-3BFD-42BB-BF71-4238AA8F1023}" type="slidenum">
+            <a:fld id="{1B5EFCFA-DF0E-4342-88B4-00CD237D0D6C}" type="slidenum">
               <a:t>&lt;#&gt;</a:t>
             </a:fld>
           </a:p>
@@ -6721,7 +6721,7 @@
         <p:txBody>
           <a:bodyPr/>
           <a:p>
-            <a:fld id="{5706C218-1F11-4864-8085-74B607B6D25F}" type="slidenum">
+            <a:fld id="{F4EAF381-C0EE-42C5-ABA0-8AE9CF450746}" type="slidenum">
               <a:t>&lt;#&gt;</a:t>
             </a:fld>
           </a:p>
@@ -6930,7 +6930,7 @@
         <p:txBody>
           <a:bodyPr/>
           <a:p>
-            <a:fld id="{A0DFB57A-43C0-4FE0-BB1A-053D6BF6648D}" type="slidenum">
+            <a:fld id="{03ABD01D-1A43-4772-893D-470C10782373}" type="slidenum">
               <a:t>&lt;#&gt;</a:t>
             </a:fld>
           </a:p>
@@ -7139,7 +7139,7 @@
         <p:txBody>
           <a:bodyPr/>
           <a:p>
-            <a:fld id="{6F09E137-11EE-409D-A2FD-25007CC8036C}" type="slidenum">
+            <a:fld id="{F1716F75-CF24-4E8A-8D2B-691CA5B0ED79}" type="slidenum">
               <a:t>&lt;#&gt;</a:t>
             </a:fld>
           </a:p>
@@ -7262,7 +7262,7 @@
         <p:txBody>
           <a:bodyPr/>
           <a:p>
-            <a:fld id="{FBE726B7-682D-4AC5-BDC3-41886FB8E093}" type="slidenum">
+            <a:fld id="{9F455710-F637-4EB2-90E3-05B96523F916}" type="slidenum">
               <a:t>&lt;#&gt;</a:t>
             </a:fld>
           </a:p>
@@ -7383,7 +7383,7 @@
         <p:txBody>
           <a:bodyPr/>
           <a:p>
-            <a:fld id="{0656B479-36E8-42E3-A56A-92FFDDF57BF2}" type="slidenum">
+            <a:fld id="{B87BA4C8-03A4-483C-AC87-A9A641505859}" type="slidenum">
               <a:t>&lt;#&gt;</a:t>
             </a:fld>
           </a:p>
@@ -7635,7 +7635,7 @@
         <p:txBody>
           <a:bodyPr/>
           <a:p>
-            <a:fld id="{8172C8F3-3D89-497A-ABBE-F4B533F704BD}" type="slidenum">
+            <a:fld id="{CCC09933-3E4A-498E-9860-60810FCE9E57}" type="slidenum">
               <a:t>&lt;#&gt;</a:t>
             </a:fld>
           </a:p>
@@ -7887,7 +7887,7 @@
         <p:txBody>
           <a:bodyPr/>
           <a:p>
-            <a:fld id="{7977BFD9-6302-4827-9352-E10774C21090}" type="slidenum">
+            <a:fld id="{1FCF485D-6A01-4492-80DB-7B32816CA8F9}" type="slidenum">
               <a:t>&lt;#&gt;</a:t>
             </a:fld>
           </a:p>
@@ -8139,7 +8139,7 @@
         <p:txBody>
           <a:bodyPr/>
           <a:p>
-            <a:fld id="{1E6FAE82-957B-4684-B147-7E063C07658A}" type="slidenum">
+            <a:fld id="{33ADE21A-803E-4DFC-B285-D025E060953D}" type="slidenum">
               <a:t>&lt;#&gt;</a:t>
             </a:fld>
           </a:p>
@@ -8348,7 +8348,7 @@
         <p:txBody>
           <a:bodyPr/>
           <a:p>
-            <a:fld id="{D2B01101-EEE2-4A87-BD6C-E52A7E3CD819}" type="slidenum">
+            <a:fld id="{CAB483E2-E787-42B7-A5CD-33CBEC814EFD}" type="slidenum">
               <a:t>&lt;#&gt;</a:t>
             </a:fld>
           </a:p>
@@ -8643,7 +8643,7 @@
         <p:txBody>
           <a:bodyPr/>
           <a:p>
-            <a:fld id="{B5BA558A-A55D-484B-8EEE-A073EEA39541}" type="slidenum">
+            <a:fld id="{3D5593BD-6EE4-49AB-9FB3-99C5E4E8CCCF}" type="slidenum">
               <a:t>&lt;#&gt;</a:t>
             </a:fld>
           </a:p>
@@ -9024,7 +9024,7 @@
         <p:txBody>
           <a:bodyPr/>
           <a:p>
-            <a:fld id="{A37BF8C1-C584-458B-AF0D-867A5621A7A2}" type="slidenum">
+            <a:fld id="{F0718610-6E7B-4C87-8A25-AA7D3101020E}" type="slidenum">
               <a:t>&lt;#&gt;</a:t>
             </a:fld>
           </a:p>
@@ -9147,7 +9147,7 @@
         <p:txBody>
           <a:bodyPr/>
           <a:p>
-            <a:fld id="{6105CB3D-5011-4156-AC4C-5E4F92DA0201}" type="slidenum">
+            <a:fld id="{BA57C285-0E2E-49F2-87C3-2C79C02013F6}" type="slidenum">
               <a:t>&lt;#&gt;</a:t>
             </a:fld>
           </a:p>
@@ -9268,7 +9268,7 @@
         <p:txBody>
           <a:bodyPr/>
           <a:p>
-            <a:fld id="{0ADFDD1B-1683-4D6F-A79C-6AA05283B82A}" type="slidenum">
+            <a:fld id="{DFD4DE4E-F021-43FF-8557-D17359A49486}" type="slidenum">
               <a:t>&lt;#&gt;</a:t>
             </a:fld>
           </a:p>
@@ -9520,7 +9520,7 @@
         <p:txBody>
           <a:bodyPr/>
           <a:p>
-            <a:fld id="{A5E196BB-323B-4CFB-ADB7-BEFAD3946B1D}" type="slidenum">
+            <a:fld id="{1CBB233B-FADD-43AA-8CD0-422AEC14548F}" type="slidenum">
               <a:t>&lt;#&gt;</a:t>
             </a:fld>
           </a:p>
@@ -9772,7 +9772,7 @@
         <p:txBody>
           <a:bodyPr/>
           <a:p>
-            <a:fld id="{84659EA0-C7B4-4CFA-9707-D11C052519CD}" type="slidenum">
+            <a:fld id="{F8503742-23A0-4413-BAD1-C95CD2EBD3A9}" type="slidenum">
               <a:t>&lt;#&gt;</a:t>
             </a:fld>
           </a:p>
@@ -10024,7 +10024,7 @@
         <p:txBody>
           <a:bodyPr/>
           <a:p>
-            <a:fld id="{EC8C8802-D962-48AE-9726-F88F20F875CA}" type="slidenum">
+            <a:fld id="{CC51B974-4ACE-432F-9194-F33147EF04D5}" type="slidenum">
               <a:t>&lt;#&gt;</a:t>
             </a:fld>
           </a:p>
@@ -10134,7 +10134,7 @@
                 </a:solidFill>
                 <a:latin typeface="游明朝"/>
               </a:rPr>
-              <a:t> </a:t>
+              <a:t>&lt;フッター&gt;</a:t>
             </a:r>
             <a:endParaRPr b="0" lang="en-US" sz="1400" spc="-1" strike="noStrike">
               <a:solidFill>
@@ -10199,14 +10199,14 @@
                 <a:tab algn="l" pos="0"/>
               </a:tabLst>
             </a:pPr>
-            <a:fld id="{5A12D574-9521-40C8-8B59-C525E8F214D8}" type="slidenum">
+            <a:fld id="{C4EC36B8-C2C0-4969-ADFA-C3A6E584CFCD}" type="slidenum">
               <a:rPr b="0" lang="en-US" sz="1400" spc="-1" strike="noStrike">
                 <a:solidFill>
                   <a:srgbClr val="000000"/>
                 </a:solidFill>
                 <a:latin typeface="游明朝"/>
               </a:rPr>
-              <a:t>3</a:t>
+              <a:t>&lt;番号&gt;</a:t>
             </a:fld>
             <a:endParaRPr b="0" lang="en-US" sz="1400" spc="-1" strike="noStrike">
               <a:solidFill>
@@ -10266,7 +10266,7 @@
                 </a:solidFill>
                 <a:latin typeface="游明朝"/>
               </a:rPr>
-              <a:t> </a:t>
+              <a:t>&lt;日付/時刻&gt;</a:t>
             </a:r>
             <a:endParaRPr b="0" lang="en-US" sz="1400" spc="-1" strike="noStrike">
               <a:solidFill>
@@ -10768,7 +10768,7 @@
                 <a:tab algn="l" pos="0"/>
               </a:tabLst>
             </a:pPr>
-            <a:fld id="{F6C7A9EB-25C1-4EF6-A66D-54C67966C909}" type="slidenum">
+            <a:fld id="{0BA53685-BF63-4F24-A236-56D9B3A002FC}" type="slidenum">
               <a:rPr b="0" lang="en-US" sz="1400" spc="-1" strike="noStrike">
                 <a:solidFill>
                   <a:srgbClr val="000000"/>
@@ -11386,7 +11386,7 @@
                 <a:tab algn="l" pos="0"/>
               </a:tabLst>
             </a:pPr>
-            <a:fld id="{AD7877F7-F02C-49A0-83AB-4D039B3CE3C8}" type="slidenum">
+            <a:fld id="{BCFCFE07-CFF8-478D-A90E-7254FA0A00B6}" type="slidenum">
               <a:rPr b="0" lang="en-US" sz="1400" spc="-1" strike="noStrike">
                 <a:solidFill>
                   <a:srgbClr val="000000"/>
@@ -11906,7 +11906,7 @@
                 <a:tab algn="l" pos="0"/>
               </a:tabLst>
             </a:pPr>
-            <a:fld id="{E8E1C010-CA43-4E65-9BC5-A60D7A4A013A}" type="slidenum">
+            <a:fld id="{E4766422-A1AC-4F33-8824-D6A2A75D247E}" type="slidenum">
               <a:rPr b="0" lang="en-US" sz="1400" spc="-1" strike="noStrike">
                 <a:solidFill>
                   <a:srgbClr val="000000"/>
@@ -13687,8 +13687,8 @@
         </p:nvCxnSpPr>
         <p:spPr>
           <a:xfrm>
-            <a:off x="4675680" y="2555640"/>
-            <a:ext cx="365040" cy="720"/>
+            <a:off x="4675320" y="2555280"/>
+            <a:ext cx="365040" cy="360"/>
           </a:xfrm>
           <a:prstGeom prst="straightConnector1">
             <a:avLst/>

--- a/document/01_要件定義_基本設計/システムのイメージ.pptx
+++ b/document/01_要件定義_基本設計/システムのイメージ.pptx
@@ -83,7 +83,7 @@
         <p:txBody>
           <a:bodyPr/>
           <a:p>
-            <a:fld id="{76A270BB-9A76-4C43-982F-19B335BC2063}" type="slidenum">
+            <a:fld id="{79165BB9-FF0C-415C-8BE5-4961A58AAAC8}" type="slidenum">
               <a:t>&lt;#&gt;</a:t>
             </a:fld>
           </a:p>
@@ -292,7 +292,7 @@
         <p:txBody>
           <a:bodyPr/>
           <a:p>
-            <a:fld id="{7836122C-A7F2-45F3-BB34-7212616D2701}" type="slidenum">
+            <a:fld id="{B6F54A03-7B09-4EB5-A493-69F83C1A856F}" type="slidenum">
               <a:t>&lt;#&gt;</a:t>
             </a:fld>
           </a:p>
@@ -587,7 +587,7 @@
         <p:txBody>
           <a:bodyPr/>
           <a:p>
-            <a:fld id="{C8ADD163-02F9-4F34-A143-211148A033F1}" type="slidenum">
+            <a:fld id="{692BE383-6042-479B-BF41-5BBD913F500F}" type="slidenum">
               <a:t>&lt;#&gt;</a:t>
             </a:fld>
           </a:p>
@@ -968,7 +968,7 @@
         <p:txBody>
           <a:bodyPr/>
           <a:p>
-            <a:fld id="{496EE641-CF8E-4B70-8442-AD6717FB2C75}" type="slidenum">
+            <a:fld id="{5A720007-37E4-431B-97DF-BF4FA35A7EBE}" type="slidenum">
               <a:t>&lt;#&gt;</a:t>
             </a:fld>
           </a:p>
@@ -1051,7 +1051,7 @@
         <p:txBody>
           <a:bodyPr/>
           <a:p>
-            <a:fld id="{82F9A948-849D-4537-B446-AD3967D845A3}" type="slidenum">
+            <a:fld id="{D4502D55-C87A-41ED-80AE-5551B3C26AEB}" type="slidenum">
               <a:t>&lt;#&gt;</a:t>
             </a:fld>
           </a:p>
@@ -1214,7 +1214,7 @@
         <p:txBody>
           <a:bodyPr/>
           <a:p>
-            <a:fld id="{6FCF3247-6132-481F-9B0A-99174113CCD9}" type="slidenum">
+            <a:fld id="{B9DDB0E5-1D2D-4F3C-ACF2-515055C97965}" type="slidenum">
               <a:t>&lt;#&gt;</a:t>
             </a:fld>
           </a:p>
@@ -1380,7 +1380,7 @@
         <p:txBody>
           <a:bodyPr/>
           <a:p>
-            <a:fld id="{F1BA550F-BAB7-4449-A48B-BBBBF55E9793}" type="slidenum">
+            <a:fld id="{A272E0F6-6826-44F9-AD09-4B6F40D7EC8B}" type="slidenum">
               <a:t>&lt;#&gt;</a:t>
             </a:fld>
           </a:p>
@@ -1589,7 +1589,7 @@
         <p:txBody>
           <a:bodyPr/>
           <a:p>
-            <a:fld id="{5204F6AB-719B-447B-9186-B7607EE45499}" type="slidenum">
+            <a:fld id="{690DA56A-426C-4A82-80C1-49E6113ACF6F}" type="slidenum">
               <a:t>&lt;#&gt;</a:t>
             </a:fld>
           </a:p>
@@ -1712,7 +1712,7 @@
         <p:txBody>
           <a:bodyPr/>
           <a:p>
-            <a:fld id="{5D2E404C-0642-4562-9518-38123AC7A1D3}" type="slidenum">
+            <a:fld id="{E47DE15A-687F-4672-B131-2840EAAE8816}" type="slidenum">
               <a:t>&lt;#&gt;</a:t>
             </a:fld>
           </a:p>
@@ -1833,7 +1833,7 @@
         <p:txBody>
           <a:bodyPr/>
           <a:p>
-            <a:fld id="{D0F52D00-1E5B-4924-A1C9-39AE50873CA8}" type="slidenum">
+            <a:fld id="{E9EBAB02-FFF4-4B15-82E6-3C3FEE5D869F}" type="slidenum">
               <a:t>&lt;#&gt;</a:t>
             </a:fld>
           </a:p>
@@ -2085,7 +2085,7 @@
         <p:txBody>
           <a:bodyPr/>
           <a:p>
-            <a:fld id="{7D63E472-17A7-4484-A274-8E4325CBE31F}" type="slidenum">
+            <a:fld id="{3A68B6E0-2A58-4BE9-8369-E23431F7A095}" type="slidenum">
               <a:t>&lt;#&gt;</a:t>
             </a:fld>
           </a:p>
@@ -2248,7 +2248,7 @@
         <p:txBody>
           <a:bodyPr/>
           <a:p>
-            <a:fld id="{B0719D1D-D5B0-4208-AF71-B2AB258512B6}" type="slidenum">
+            <a:fld id="{7499448E-2992-4A54-8018-282DEAE25384}" type="slidenum">
               <a:t>&lt;#&gt;</a:t>
             </a:fld>
           </a:p>
@@ -2500,7 +2500,7 @@
         <p:txBody>
           <a:bodyPr/>
           <a:p>
-            <a:fld id="{3E4F40C0-E9C5-4FBB-A9B4-C5CF19C0B87B}" type="slidenum">
+            <a:fld id="{9DF31467-DDDB-4263-AD1C-B0B369C54026}" type="slidenum">
               <a:t>&lt;#&gt;</a:t>
             </a:fld>
           </a:p>
@@ -2752,7 +2752,7 @@
         <p:txBody>
           <a:bodyPr/>
           <a:p>
-            <a:fld id="{A6189C2A-4EB3-45E8-9BEE-AEF279374EA0}" type="slidenum">
+            <a:fld id="{71E5A608-B47C-4A06-B54F-78CF4660222C}" type="slidenum">
               <a:t>&lt;#&gt;</a:t>
             </a:fld>
           </a:p>
@@ -2961,7 +2961,7 @@
         <p:txBody>
           <a:bodyPr/>
           <a:p>
-            <a:fld id="{53351D31-3E3B-40C9-B4F0-4DD00308673B}" type="slidenum">
+            <a:fld id="{8E404A9E-658D-4C8E-913E-6B69D8104ACB}" type="slidenum">
               <a:t>&lt;#&gt;</a:t>
             </a:fld>
           </a:p>
@@ -3256,7 +3256,7 @@
         <p:txBody>
           <a:bodyPr/>
           <a:p>
-            <a:fld id="{32D819CA-E6C4-4CEA-9285-45D3147AE2BB}" type="slidenum">
+            <a:fld id="{0251ABE9-99DA-443E-852B-06B8B7993799}" type="slidenum">
               <a:t>&lt;#&gt;</a:t>
             </a:fld>
           </a:p>
@@ -3637,7 +3637,7 @@
         <p:txBody>
           <a:bodyPr/>
           <a:p>
-            <a:fld id="{0FFEC9F1-D9C8-4928-9CDD-206BEB4D3AA0}" type="slidenum">
+            <a:fld id="{A847FCF9-4205-4CE0-91F8-54A07CE7BD70}" type="slidenum">
               <a:t>&lt;#&gt;</a:t>
             </a:fld>
           </a:p>
@@ -3720,7 +3720,7 @@
         <p:txBody>
           <a:bodyPr/>
           <a:p>
-            <a:fld id="{F70EFF1F-3449-4741-BB32-28A367FE24B7}" type="slidenum">
+            <a:fld id="{60E4BBF7-629A-4224-BFB1-404DBA7191D7}" type="slidenum">
               <a:t>&lt;#&gt;</a:t>
             </a:fld>
           </a:p>
@@ -3883,7 +3883,7 @@
         <p:txBody>
           <a:bodyPr/>
           <a:p>
-            <a:fld id="{102ABF37-FB1B-46B3-9888-2E8401467EE6}" type="slidenum">
+            <a:fld id="{081C6536-C602-4005-897E-5A315C6CB37B}" type="slidenum">
               <a:t>&lt;#&gt;</a:t>
             </a:fld>
           </a:p>
@@ -4049,7 +4049,7 @@
         <p:txBody>
           <a:bodyPr/>
           <a:p>
-            <a:fld id="{9AE514FB-7647-44EF-B7EF-98672BF2134D}" type="slidenum">
+            <a:fld id="{B58AA18A-C70D-49C5-AD6A-E68A572E6A79}" type="slidenum">
               <a:t>&lt;#&gt;</a:t>
             </a:fld>
           </a:p>
@@ -4258,7 +4258,7 @@
         <p:txBody>
           <a:bodyPr/>
           <a:p>
-            <a:fld id="{26703AA6-14D3-4CE2-9213-B88D3AB385E0}" type="slidenum">
+            <a:fld id="{CF6A49E6-9495-4B12-BF14-59CA2B606F5B}" type="slidenum">
               <a:t>&lt;#&gt;</a:t>
             </a:fld>
           </a:p>
@@ -4381,7 +4381,7 @@
         <p:txBody>
           <a:bodyPr/>
           <a:p>
-            <a:fld id="{F27C2D5F-0B2E-4BC3-B08E-EB0BC09930A8}" type="slidenum">
+            <a:fld id="{7FD33584-BB9B-4259-860B-78FB39D35364}" type="slidenum">
               <a:t>&lt;#&gt;</a:t>
             </a:fld>
           </a:p>
@@ -4547,7 +4547,7 @@
         <p:txBody>
           <a:bodyPr/>
           <a:p>
-            <a:fld id="{B59A08DB-D2DF-4131-8400-D953F6883383}" type="slidenum">
+            <a:fld id="{C6D28A32-20A2-4EBF-9FC9-555031536D8D}" type="slidenum">
               <a:t>&lt;#&gt;</a:t>
             </a:fld>
           </a:p>
@@ -4668,7 +4668,7 @@
         <p:txBody>
           <a:bodyPr/>
           <a:p>
-            <a:fld id="{DC47EAE6-6273-4865-9AFD-94FBE9544D12}" type="slidenum">
+            <a:fld id="{C6183095-6933-4080-B5F6-F353CC371110}" type="slidenum">
               <a:t>&lt;#&gt;</a:t>
             </a:fld>
           </a:p>
@@ -4920,7 +4920,7 @@
         <p:txBody>
           <a:bodyPr/>
           <a:p>
-            <a:fld id="{288401EE-5351-4CD4-B1D0-42DDA38BEAFA}" type="slidenum">
+            <a:fld id="{D1E8CE83-3196-453E-AD1F-14535BC7A693}" type="slidenum">
               <a:t>&lt;#&gt;</a:t>
             </a:fld>
           </a:p>
@@ -5172,7 +5172,7 @@
         <p:txBody>
           <a:bodyPr/>
           <a:p>
-            <a:fld id="{D03653D9-93AD-4B4A-A6C4-411381997757}" type="slidenum">
+            <a:fld id="{7E0C7C67-0B98-4AB2-8865-01F2247BA5BD}" type="slidenum">
               <a:t>&lt;#&gt;</a:t>
             </a:fld>
           </a:p>
@@ -5424,7 +5424,7 @@
         <p:txBody>
           <a:bodyPr/>
           <a:p>
-            <a:fld id="{504A4092-A3AA-4768-9543-02D13CB011BA}" type="slidenum">
+            <a:fld id="{E9596BE4-B16B-4E1E-A596-EC4183802ABD}" type="slidenum">
               <a:t>&lt;#&gt;</a:t>
             </a:fld>
           </a:p>
@@ -5633,7 +5633,7 @@
         <p:txBody>
           <a:bodyPr/>
           <a:p>
-            <a:fld id="{50D77809-E960-46D2-B0F0-22B4367FA03C}" type="slidenum">
+            <a:fld id="{D3C7BEED-E151-4B3D-B555-25C69DF0E3DD}" type="slidenum">
               <a:t>&lt;#&gt;</a:t>
             </a:fld>
           </a:p>
@@ -5928,7 +5928,7 @@
         <p:txBody>
           <a:bodyPr/>
           <a:p>
-            <a:fld id="{6F19046B-6E2D-46BD-8E5F-8A6F216D419B}" type="slidenum">
+            <a:fld id="{A28979C2-7E0B-4D76-941C-DBC42162AD06}" type="slidenum">
               <a:t>&lt;#&gt;</a:t>
             </a:fld>
           </a:p>
@@ -6309,7 +6309,7 @@
         <p:txBody>
           <a:bodyPr/>
           <a:p>
-            <a:fld id="{32A414AF-8786-4869-B859-6A27E6879B1D}" type="slidenum">
+            <a:fld id="{6B0CDE88-4797-4E1E-9F96-F56D4294158D}" type="slidenum">
               <a:t>&lt;#&gt;</a:t>
             </a:fld>
           </a:p>
@@ -6392,7 +6392,7 @@
         <p:txBody>
           <a:bodyPr/>
           <a:p>
-            <a:fld id="{C2A27BDD-D38A-4FF6-9209-E9120523B866}" type="slidenum">
+            <a:fld id="{239F6F2A-0115-4C79-8EF5-3B7E8B874041}" type="slidenum">
               <a:t>&lt;#&gt;</a:t>
             </a:fld>
           </a:p>
@@ -6555,7 +6555,7 @@
         <p:txBody>
           <a:bodyPr/>
           <a:p>
-            <a:fld id="{1B5EFCFA-DF0E-4342-88B4-00CD237D0D6C}" type="slidenum">
+            <a:fld id="{EA031D09-BE07-4594-9330-EFCCA7B2101B}" type="slidenum">
               <a:t>&lt;#&gt;</a:t>
             </a:fld>
           </a:p>
@@ -6721,7 +6721,7 @@
         <p:txBody>
           <a:bodyPr/>
           <a:p>
-            <a:fld id="{F4EAF381-C0EE-42C5-ABA0-8AE9CF450746}" type="slidenum">
+            <a:fld id="{0FBFB417-1DD5-4DFB-846F-02871AD56725}" type="slidenum">
               <a:t>&lt;#&gt;</a:t>
             </a:fld>
           </a:p>
@@ -6930,7 +6930,7 @@
         <p:txBody>
           <a:bodyPr/>
           <a:p>
-            <a:fld id="{03ABD01D-1A43-4772-893D-470C10782373}" type="slidenum">
+            <a:fld id="{1FD453F3-D1F0-4AEA-BC95-EFC453D26F72}" type="slidenum">
               <a:t>&lt;#&gt;</a:t>
             </a:fld>
           </a:p>
@@ -7139,7 +7139,7 @@
         <p:txBody>
           <a:bodyPr/>
           <a:p>
-            <a:fld id="{F1716F75-CF24-4E8A-8D2B-691CA5B0ED79}" type="slidenum">
+            <a:fld id="{3DCDEAAB-90BD-4B9A-8339-D8EB4DFD2727}" type="slidenum">
               <a:t>&lt;#&gt;</a:t>
             </a:fld>
           </a:p>
@@ -7262,7 +7262,7 @@
         <p:txBody>
           <a:bodyPr/>
           <a:p>
-            <a:fld id="{9F455710-F637-4EB2-90E3-05B96523F916}" type="slidenum">
+            <a:fld id="{FCB4DD12-AB2E-403D-9C84-6EB6F55DDA61}" type="slidenum">
               <a:t>&lt;#&gt;</a:t>
             </a:fld>
           </a:p>
@@ -7383,7 +7383,7 @@
         <p:txBody>
           <a:bodyPr/>
           <a:p>
-            <a:fld id="{B87BA4C8-03A4-483C-AC87-A9A641505859}" type="slidenum">
+            <a:fld id="{EFA9D02A-FD0E-4BFE-939E-15D99CA0A437}" type="slidenum">
               <a:t>&lt;#&gt;</a:t>
             </a:fld>
           </a:p>
@@ -7635,7 +7635,7 @@
         <p:txBody>
           <a:bodyPr/>
           <a:p>
-            <a:fld id="{CCC09933-3E4A-498E-9860-60810FCE9E57}" type="slidenum">
+            <a:fld id="{BBE0BD24-9B43-4D01-9FAD-1C2FD8A847D3}" type="slidenum">
               <a:t>&lt;#&gt;</a:t>
             </a:fld>
           </a:p>
@@ -7887,7 +7887,7 @@
         <p:txBody>
           <a:bodyPr/>
           <a:p>
-            <a:fld id="{1FCF485D-6A01-4492-80DB-7B32816CA8F9}" type="slidenum">
+            <a:fld id="{9E7FE544-C75B-450F-AA2A-F7BB78694FC0}" type="slidenum">
               <a:t>&lt;#&gt;</a:t>
             </a:fld>
           </a:p>
@@ -8139,7 +8139,7 @@
         <p:txBody>
           <a:bodyPr/>
           <a:p>
-            <a:fld id="{33ADE21A-803E-4DFC-B285-D025E060953D}" type="slidenum">
+            <a:fld id="{43DA59F7-2B6E-4FDC-9E28-3BC9C6F6402C}" type="slidenum">
               <a:t>&lt;#&gt;</a:t>
             </a:fld>
           </a:p>
@@ -8348,7 +8348,7 @@
         <p:txBody>
           <a:bodyPr/>
           <a:p>
-            <a:fld id="{CAB483E2-E787-42B7-A5CD-33CBEC814EFD}" type="slidenum">
+            <a:fld id="{32BB5B9D-81C9-4359-8A5B-194C22FD3029}" type="slidenum">
               <a:t>&lt;#&gt;</a:t>
             </a:fld>
           </a:p>
@@ -8643,7 +8643,7 @@
         <p:txBody>
           <a:bodyPr/>
           <a:p>
-            <a:fld id="{3D5593BD-6EE4-49AB-9FB3-99C5E4E8CCCF}" type="slidenum">
+            <a:fld id="{0CB2CD2E-9A65-4610-A9BA-7EFF447577F5}" type="slidenum">
               <a:t>&lt;#&gt;</a:t>
             </a:fld>
           </a:p>
@@ -9024,7 +9024,7 @@
         <p:txBody>
           <a:bodyPr/>
           <a:p>
-            <a:fld id="{F0718610-6E7B-4C87-8A25-AA7D3101020E}" type="slidenum">
+            <a:fld id="{C30D6375-DE81-4919-AFFE-430F30D7377B}" type="slidenum">
               <a:t>&lt;#&gt;</a:t>
             </a:fld>
           </a:p>
@@ -9147,7 +9147,7 @@
         <p:txBody>
           <a:bodyPr/>
           <a:p>
-            <a:fld id="{BA57C285-0E2E-49F2-87C3-2C79C02013F6}" type="slidenum">
+            <a:fld id="{6733D116-F0D7-4105-AA27-C1969C2BADA2}" type="slidenum">
               <a:t>&lt;#&gt;</a:t>
             </a:fld>
           </a:p>
@@ -9268,7 +9268,7 @@
         <p:txBody>
           <a:bodyPr/>
           <a:p>
-            <a:fld id="{DFD4DE4E-F021-43FF-8557-D17359A49486}" type="slidenum">
+            <a:fld id="{7CD58A86-256B-4D3E-BF2D-C5242381A37B}" type="slidenum">
               <a:t>&lt;#&gt;</a:t>
             </a:fld>
           </a:p>
@@ -9520,7 +9520,7 @@
         <p:txBody>
           <a:bodyPr/>
           <a:p>
-            <a:fld id="{1CBB233B-FADD-43AA-8CD0-422AEC14548F}" type="slidenum">
+            <a:fld id="{5357B510-BB93-4E86-AF01-AF73CD650686}" type="slidenum">
               <a:t>&lt;#&gt;</a:t>
             </a:fld>
           </a:p>
@@ -9772,7 +9772,7 @@
         <p:txBody>
           <a:bodyPr/>
           <a:p>
-            <a:fld id="{F8503742-23A0-4413-BAD1-C95CD2EBD3A9}" type="slidenum">
+            <a:fld id="{1C2392F2-D424-4136-852F-195C30D179C8}" type="slidenum">
               <a:t>&lt;#&gt;</a:t>
             </a:fld>
           </a:p>
@@ -10024,7 +10024,7 @@
         <p:txBody>
           <a:bodyPr/>
           <a:p>
-            <a:fld id="{CC51B974-4ACE-432F-9194-F33147EF04D5}" type="slidenum">
+            <a:fld id="{C830BDCA-0E83-4ABC-8864-CF8087AFD775}" type="slidenum">
               <a:t>&lt;#&gt;</a:t>
             </a:fld>
           </a:p>
@@ -10086,7 +10086,7 @@
         <p:spPr>
           <a:xfrm>
             <a:off x="3447360" y="5165280"/>
-            <a:ext cx="3189960" cy="385560"/>
+            <a:ext cx="3189600" cy="385200"/>
           </a:xfrm>
           <a:prstGeom prst="rect">
             <a:avLst/>
@@ -10134,7 +10134,7 @@
                 </a:solidFill>
                 <a:latin typeface="游明朝"/>
               </a:rPr>
-              <a:t>&lt;フッター&gt;</a:t>
+              <a:t> </a:t>
             </a:r>
             <a:endParaRPr b="0" lang="en-US" sz="1400" spc="-1" strike="noStrike">
               <a:solidFill>
@@ -10158,7 +10158,7 @@
         <p:spPr>
           <a:xfrm>
             <a:off x="7227360" y="5165280"/>
-            <a:ext cx="2343240" cy="385560"/>
+            <a:ext cx="2342880" cy="385200"/>
           </a:xfrm>
           <a:prstGeom prst="rect">
             <a:avLst/>
@@ -10199,14 +10199,14 @@
                 <a:tab algn="l" pos="0"/>
               </a:tabLst>
             </a:pPr>
-            <a:fld id="{C4EC36B8-C2C0-4969-ADFA-C3A6E584CFCD}" type="slidenum">
+            <a:fld id="{9B88A2C9-FE9F-43AD-A3C2-74B00D6AB17D}" type="slidenum">
               <a:rPr b="0" lang="en-US" sz="1400" spc="-1" strike="noStrike">
                 <a:solidFill>
                   <a:srgbClr val="000000"/>
                 </a:solidFill>
                 <a:latin typeface="游明朝"/>
               </a:rPr>
-              <a:t>&lt;番号&gt;</a:t>
+              <a:t>18</a:t>
             </a:fld>
             <a:endParaRPr b="0" lang="en-US" sz="1400" spc="-1" strike="noStrike">
               <a:solidFill>
@@ -10230,7 +10230,7 @@
         <p:spPr>
           <a:xfrm>
             <a:off x="504000" y="5165280"/>
-            <a:ext cx="2343240" cy="385560"/>
+            <a:ext cx="2342880" cy="385200"/>
           </a:xfrm>
           <a:prstGeom prst="rect">
             <a:avLst/>
@@ -10266,7 +10266,7 @@
                 </a:solidFill>
                 <a:latin typeface="游明朝"/>
               </a:rPr>
-              <a:t>&lt;日付/時刻&gt;</a:t>
+              <a:t> </a:t>
             </a:r>
             <a:endParaRPr b="0" lang="en-US" sz="1400" spc="-1" strike="noStrike">
               <a:solidFill>
@@ -10655,7 +10655,7 @@
         <p:spPr>
           <a:xfrm>
             <a:off x="3447360" y="5165280"/>
-            <a:ext cx="3189960" cy="385560"/>
+            <a:ext cx="3189600" cy="385200"/>
           </a:xfrm>
           <a:prstGeom prst="rect">
             <a:avLst/>
@@ -10727,7 +10727,7 @@
         <p:spPr>
           <a:xfrm>
             <a:off x="7227360" y="5165280"/>
-            <a:ext cx="2343240" cy="385560"/>
+            <a:ext cx="2342880" cy="385200"/>
           </a:xfrm>
           <a:prstGeom prst="rect">
             <a:avLst/>
@@ -10768,7 +10768,7 @@
                 <a:tab algn="l" pos="0"/>
               </a:tabLst>
             </a:pPr>
-            <a:fld id="{0BA53685-BF63-4F24-A236-56D9B3A002FC}" type="slidenum">
+            <a:fld id="{681E73E0-5524-4997-85A4-A6E9C351DD2B}" type="slidenum">
               <a:rPr b="0" lang="en-US" sz="1400" spc="-1" strike="noStrike">
                 <a:solidFill>
                   <a:srgbClr val="000000"/>
@@ -10799,7 +10799,7 @@
         <p:spPr>
           <a:xfrm>
             <a:off x="504000" y="5165280"/>
-            <a:ext cx="2343240" cy="385560"/>
+            <a:ext cx="2342880" cy="385200"/>
           </a:xfrm>
           <a:prstGeom prst="rect">
             <a:avLst/>
@@ -11273,7 +11273,7 @@
         <p:spPr>
           <a:xfrm>
             <a:off x="3447360" y="5165280"/>
-            <a:ext cx="3189960" cy="385560"/>
+            <a:ext cx="3189600" cy="385200"/>
           </a:xfrm>
           <a:prstGeom prst="rect">
             <a:avLst/>
@@ -11345,7 +11345,7 @@
         <p:spPr>
           <a:xfrm>
             <a:off x="7227360" y="5165280"/>
-            <a:ext cx="2343240" cy="385560"/>
+            <a:ext cx="2342880" cy="385200"/>
           </a:xfrm>
           <a:prstGeom prst="rect">
             <a:avLst/>
@@ -11386,7 +11386,7 @@
                 <a:tab algn="l" pos="0"/>
               </a:tabLst>
             </a:pPr>
-            <a:fld id="{BCFCFE07-CFF8-478D-A90E-7254FA0A00B6}" type="slidenum">
+            <a:fld id="{606F2963-E5F1-4987-93A6-59A2FD8A92B3}" type="slidenum">
               <a:rPr b="0" lang="en-US" sz="1400" spc="-1" strike="noStrike">
                 <a:solidFill>
                   <a:srgbClr val="000000"/>
@@ -11417,7 +11417,7 @@
         <p:spPr>
           <a:xfrm>
             <a:off x="504000" y="5165280"/>
-            <a:ext cx="2343240" cy="385560"/>
+            <a:ext cx="2342880" cy="385200"/>
           </a:xfrm>
           <a:prstGeom prst="rect">
             <a:avLst/>
@@ -11793,7 +11793,7 @@
         <p:spPr>
           <a:xfrm>
             <a:off x="3447360" y="5165280"/>
-            <a:ext cx="3189960" cy="385560"/>
+            <a:ext cx="3189600" cy="385200"/>
           </a:xfrm>
           <a:prstGeom prst="rect">
             <a:avLst/>
@@ -11865,7 +11865,7 @@
         <p:spPr>
           <a:xfrm>
             <a:off x="7227360" y="5165280"/>
-            <a:ext cx="2343240" cy="385560"/>
+            <a:ext cx="2342880" cy="385200"/>
           </a:xfrm>
           <a:prstGeom prst="rect">
             <a:avLst/>
@@ -11906,7 +11906,7 @@
                 <a:tab algn="l" pos="0"/>
               </a:tabLst>
             </a:pPr>
-            <a:fld id="{E4766422-A1AC-4F33-8824-D6A2A75D247E}" type="slidenum">
+            <a:fld id="{3236EDD4-D061-4060-B7D4-0E627C1FEE56}" type="slidenum">
               <a:rPr b="0" lang="en-US" sz="1400" spc="-1" strike="noStrike">
                 <a:solidFill>
                   <a:srgbClr val="000000"/>
@@ -11937,7 +11937,7 @@
         <p:spPr>
           <a:xfrm>
             <a:off x="504000" y="5165280"/>
-            <a:ext cx="2343240" cy="385560"/>
+            <a:ext cx="2342880" cy="385200"/>
           </a:xfrm>
           <a:prstGeom prst="rect">
             <a:avLst/>
@@ -12362,7 +12362,7 @@
         <p:spPr>
           <a:xfrm>
             <a:off x="504000" y="226080"/>
-            <a:ext cx="9066600" cy="941400"/>
+            <a:ext cx="9066240" cy="941040"/>
           </a:xfrm>
           <a:prstGeom prst="rect">
             <a:avLst/>
@@ -12417,7 +12417,7 @@
         <p:spPr>
           <a:xfrm>
             <a:off x="504000" y="1326600"/>
-            <a:ext cx="9066600" cy="3283200"/>
+            <a:ext cx="9066240" cy="3282840"/>
           </a:xfrm>
           <a:prstGeom prst="rect">
             <a:avLst/>
@@ -12487,7 +12487,7 @@
         <p:spPr>
           <a:xfrm>
             <a:off x="504000" y="226080"/>
-            <a:ext cx="9066960" cy="941760"/>
+            <a:ext cx="9066600" cy="941400"/>
           </a:xfrm>
           <a:prstGeom prst="rect">
             <a:avLst/>
@@ -12539,7 +12539,7 @@
         <p:spPr>
           <a:xfrm>
             <a:off x="720000" y="1440000"/>
-            <a:ext cx="5755680" cy="3595680"/>
+            <a:ext cx="5755320" cy="3595320"/>
           </a:xfrm>
           <a:prstGeom prst="rect">
             <a:avLst/>
@@ -12589,7 +12589,7 @@
         <p:spPr>
           <a:xfrm>
             <a:off x="3240000" y="4500000"/>
-            <a:ext cx="895680" cy="355680"/>
+            <a:ext cx="895320" cy="355320"/>
           </a:xfrm>
           <a:prstGeom prst="rect">
             <a:avLst/>
@@ -12652,7 +12652,7 @@
         <p:spPr>
           <a:xfrm>
             <a:off x="4320000" y="4500000"/>
-            <a:ext cx="895680" cy="355680"/>
+            <a:ext cx="895320" cy="355320"/>
           </a:xfrm>
           <a:prstGeom prst="rect">
             <a:avLst/>
@@ -12715,7 +12715,7 @@
         <p:spPr>
           <a:xfrm>
             <a:off x="900000" y="4500000"/>
-            <a:ext cx="895680" cy="355680"/>
+            <a:ext cx="895320" cy="355320"/>
           </a:xfrm>
           <a:prstGeom prst="rect">
             <a:avLst/>
@@ -12778,7 +12778,7 @@
         <p:spPr>
           <a:xfrm>
             <a:off x="5400000" y="4500000"/>
-            <a:ext cx="895680" cy="355680"/>
+            <a:ext cx="895320" cy="355320"/>
           </a:xfrm>
           <a:prstGeom prst="rect">
             <a:avLst/>
@@ -12841,7 +12841,7 @@
         <p:spPr>
           <a:xfrm>
             <a:off x="900000" y="1585080"/>
-            <a:ext cx="5395680" cy="3270600"/>
+            <a:ext cx="5395320" cy="3270240"/>
           </a:xfrm>
           <a:prstGeom prst="rect">
             <a:avLst/>
@@ -12934,7 +12934,7 @@
         <p:spPr>
           <a:xfrm>
             <a:off x="504000" y="226080"/>
-            <a:ext cx="9066600" cy="941400"/>
+            <a:ext cx="9066240" cy="941040"/>
           </a:xfrm>
           <a:prstGeom prst="rect">
             <a:avLst/>
@@ -12985,7 +12985,7 @@
         <p:spPr>
           <a:xfrm>
             <a:off x="720000" y="1440000"/>
-            <a:ext cx="5755320" cy="3595320"/>
+            <a:ext cx="5754960" cy="3594960"/>
           </a:xfrm>
           <a:prstGeom prst="rect">
             <a:avLst/>
@@ -13032,7 +13032,7 @@
         <p:spPr>
           <a:xfrm>
             <a:off x="3240000" y="4500000"/>
-            <a:ext cx="895320" cy="355320"/>
+            <a:ext cx="894960" cy="354960"/>
           </a:xfrm>
           <a:prstGeom prst="rect">
             <a:avLst/>
@@ -13095,7 +13095,7 @@
         <p:spPr>
           <a:xfrm>
             <a:off x="4320000" y="4500000"/>
-            <a:ext cx="895320" cy="355320"/>
+            <a:ext cx="894960" cy="354960"/>
           </a:xfrm>
           <a:prstGeom prst="rect">
             <a:avLst/>
@@ -13158,7 +13158,7 @@
         <p:spPr>
           <a:xfrm>
             <a:off x="900000" y="4500000"/>
-            <a:ext cx="895320" cy="355320"/>
+            <a:ext cx="894960" cy="354960"/>
           </a:xfrm>
           <a:prstGeom prst="rect">
             <a:avLst/>
@@ -13221,7 +13221,7 @@
         <p:spPr>
           <a:xfrm>
             <a:off x="5400000" y="4500000"/>
-            <a:ext cx="895320" cy="355320"/>
+            <a:ext cx="894960" cy="354960"/>
           </a:xfrm>
           <a:prstGeom prst="rect">
             <a:avLst/>
@@ -13284,7 +13284,7 @@
         <p:spPr>
           <a:xfrm>
             <a:off x="900000" y="3060000"/>
-            <a:ext cx="5395320" cy="1255320"/>
+            <a:ext cx="5394960" cy="1254960"/>
           </a:xfrm>
           <a:prstGeom prst="rect">
             <a:avLst/>
@@ -13343,7 +13343,7 @@
         <p:spPr>
           <a:xfrm>
             <a:off x="900000" y="1620000"/>
-            <a:ext cx="5395320" cy="355320"/>
+            <a:ext cx="5394960" cy="354960"/>
           </a:xfrm>
           <a:prstGeom prst="rect">
             <a:avLst/>
@@ -13402,7 +13402,7 @@
         <p:spPr>
           <a:xfrm>
             <a:off x="900000" y="2197800"/>
-            <a:ext cx="5395320" cy="715320"/>
+            <a:ext cx="5394960" cy="714960"/>
           </a:xfrm>
           <a:prstGeom prst="rect">
             <a:avLst/>
@@ -13449,7 +13449,7 @@
         <p:spPr>
           <a:xfrm>
             <a:off x="1080000" y="2377800"/>
-            <a:ext cx="1075320" cy="355320"/>
+            <a:ext cx="1074960" cy="354960"/>
           </a:xfrm>
           <a:prstGeom prst="rect">
             <a:avLst/>
@@ -13508,7 +13508,7 @@
         <p:spPr>
           <a:xfrm>
             <a:off x="2340000" y="2377800"/>
-            <a:ext cx="1075320" cy="355320"/>
+            <a:ext cx="1074960" cy="354960"/>
           </a:xfrm>
           <a:prstGeom prst="rect">
             <a:avLst/>
@@ -13567,7 +13567,7 @@
         <p:spPr>
           <a:xfrm>
             <a:off x="3600000" y="2377800"/>
-            <a:ext cx="1075320" cy="355320"/>
+            <a:ext cx="1074960" cy="354960"/>
           </a:xfrm>
           <a:prstGeom prst="rect">
             <a:avLst/>
@@ -13626,7 +13626,7 @@
         <p:spPr>
           <a:xfrm>
             <a:off x="5040000" y="2377800"/>
-            <a:ext cx="1075320" cy="355320"/>
+            <a:ext cx="1074960" cy="354960"/>
           </a:xfrm>
           <a:prstGeom prst="rect">
             <a:avLst/>
@@ -13687,8 +13687,8 @@
         </p:nvCxnSpPr>
         <p:spPr>
           <a:xfrm>
-            <a:off x="4675320" y="2555280"/>
-            <a:ext cx="365040" cy="360"/>
+            <a:off x="4674960" y="2555280"/>
+            <a:ext cx="365400" cy="360"/>
           </a:xfrm>
           <a:prstGeom prst="straightConnector1">
             <a:avLst/>
@@ -13744,7 +13744,7 @@
         <p:spPr>
           <a:xfrm>
             <a:off x="504000" y="226080"/>
-            <a:ext cx="9066600" cy="941400"/>
+            <a:ext cx="9066240" cy="941040"/>
           </a:xfrm>
           <a:prstGeom prst="rect">
             <a:avLst/>
@@ -13795,7 +13795,7 @@
         <p:spPr>
           <a:xfrm>
             <a:off x="720000" y="1440000"/>
-            <a:ext cx="5755320" cy="3595320"/>
+            <a:ext cx="5754960" cy="3594960"/>
           </a:xfrm>
           <a:prstGeom prst="rect">
             <a:avLst/>
@@ -13842,7 +13842,7 @@
         <p:spPr>
           <a:xfrm>
             <a:off x="1440000" y="2520000"/>
-            <a:ext cx="1435320" cy="341640"/>
+            <a:ext cx="1434960" cy="341280"/>
           </a:xfrm>
           <a:prstGeom prst="rect">
             <a:avLst/>
@@ -13909,7 +13909,7 @@
         <p:spPr>
           <a:xfrm>
             <a:off x="2880000" y="4320000"/>
-            <a:ext cx="1435320" cy="355320"/>
+            <a:ext cx="1434960" cy="354960"/>
           </a:xfrm>
           <a:prstGeom prst="rect">
             <a:avLst/>
@@ -14006,7 +14006,7 @@
         <p:spPr>
           <a:xfrm>
             <a:off x="504000" y="226080"/>
-            <a:ext cx="9066960" cy="941760"/>
+            <a:ext cx="9066600" cy="941400"/>
           </a:xfrm>
           <a:prstGeom prst="rect">
             <a:avLst/>
@@ -14058,7 +14058,7 @@
         <p:spPr>
           <a:xfrm>
             <a:off x="720000" y="1440000"/>
-            <a:ext cx="5755680" cy="3595680"/>
+            <a:ext cx="5755320" cy="3595320"/>
           </a:xfrm>
           <a:prstGeom prst="rect">
             <a:avLst/>
@@ -14108,7 +14108,7 @@
         <p:spPr>
           <a:xfrm>
             <a:off x="5400000" y="1980000"/>
-            <a:ext cx="895680" cy="355680"/>
+            <a:ext cx="895320" cy="355320"/>
           </a:xfrm>
           <a:prstGeom prst="rect">
             <a:avLst/>
@@ -14171,7 +14171,7 @@
         <p:spPr>
           <a:xfrm>
             <a:off x="900000" y="1620000"/>
-            <a:ext cx="5395680" cy="715680"/>
+            <a:ext cx="5395320" cy="715320"/>
           </a:xfrm>
           <a:prstGeom prst="rect">
             <a:avLst/>
@@ -14230,7 +14230,7 @@
         <p:spPr>
           <a:xfrm>
             <a:off x="900000" y="2520000"/>
-            <a:ext cx="5395680" cy="2336400"/>
+            <a:ext cx="5395320" cy="2336040"/>
           </a:xfrm>
           <a:prstGeom prst="rect">
             <a:avLst/>
@@ -14289,7 +14289,7 @@
         <p:spPr>
           <a:xfrm>
             <a:off x="4680000" y="2880000"/>
-            <a:ext cx="1615680" cy="355680"/>
+            <a:ext cx="1615320" cy="355320"/>
           </a:xfrm>
           <a:prstGeom prst="rect">
             <a:avLst/>
@@ -14352,7 +14352,7 @@
         <p:spPr>
           <a:xfrm>
             <a:off x="180720" y="226080"/>
-            <a:ext cx="9538200" cy="5172840"/>
+            <a:ext cx="9537840" cy="5172480"/>
           </a:xfrm>
           <a:prstGeom prst="rect">
             <a:avLst/>
@@ -14449,7 +14449,7 @@
         <p:spPr>
           <a:xfrm>
             <a:off x="504000" y="226080"/>
-            <a:ext cx="9066960" cy="941760"/>
+            <a:ext cx="9066600" cy="941400"/>
           </a:xfrm>
           <a:prstGeom prst="rect">
             <a:avLst/>
@@ -14501,7 +14501,7 @@
         <p:spPr>
           <a:xfrm>
             <a:off x="720000" y="1440000"/>
-            <a:ext cx="5755680" cy="3595680"/>
+            <a:ext cx="5755320" cy="3595320"/>
           </a:xfrm>
           <a:prstGeom prst="rect">
             <a:avLst/>
@@ -14551,7 +14551,7 @@
         <p:spPr>
           <a:xfrm>
             <a:off x="3240000" y="4500000"/>
-            <a:ext cx="895680" cy="355680"/>
+            <a:ext cx="895320" cy="355320"/>
           </a:xfrm>
           <a:prstGeom prst="rect">
             <a:avLst/>
@@ -14614,7 +14614,7 @@
         <p:spPr>
           <a:xfrm>
             <a:off x="4320000" y="4500000"/>
-            <a:ext cx="895680" cy="355680"/>
+            <a:ext cx="895320" cy="355320"/>
           </a:xfrm>
           <a:prstGeom prst="rect">
             <a:avLst/>
@@ -14677,7 +14677,7 @@
         <p:spPr>
           <a:xfrm>
             <a:off x="900000" y="4500000"/>
-            <a:ext cx="895680" cy="355680"/>
+            <a:ext cx="895320" cy="355320"/>
           </a:xfrm>
           <a:prstGeom prst="rect">
             <a:avLst/>
@@ -14740,7 +14740,7 @@
         <p:spPr>
           <a:xfrm>
             <a:off x="5400000" y="4500000"/>
-            <a:ext cx="895680" cy="355680"/>
+            <a:ext cx="895320" cy="355320"/>
           </a:xfrm>
           <a:prstGeom prst="rect">
             <a:avLst/>
@@ -14803,7 +14803,7 @@
         <p:spPr>
           <a:xfrm>
             <a:off x="900000" y="1585080"/>
-            <a:ext cx="5395680" cy="3270600"/>
+            <a:ext cx="5395320" cy="3270240"/>
           </a:xfrm>
           <a:prstGeom prst="rect">
             <a:avLst/>
@@ -14862,7 +14862,7 @@
         <p:spPr>
           <a:xfrm>
             <a:off x="180720" y="226080"/>
-            <a:ext cx="9538200" cy="5172840"/>
+            <a:ext cx="9537840" cy="5172480"/>
           </a:xfrm>
           <a:prstGeom prst="rect">
             <a:avLst/>
@@ -14959,7 +14959,7 @@
         <p:spPr>
           <a:xfrm>
             <a:off x="504000" y="226080"/>
-            <a:ext cx="9066960" cy="941760"/>
+            <a:ext cx="9066600" cy="941400"/>
           </a:xfrm>
           <a:prstGeom prst="rect">
             <a:avLst/>
@@ -15011,7 +15011,7 @@
         <p:spPr>
           <a:xfrm>
             <a:off x="720000" y="1440000"/>
-            <a:ext cx="5755680" cy="3595680"/>
+            <a:ext cx="5755320" cy="3595320"/>
           </a:xfrm>
           <a:prstGeom prst="rect">
             <a:avLst/>
@@ -15061,7 +15061,7 @@
         <p:spPr>
           <a:xfrm>
             <a:off x="5400000" y="1980000"/>
-            <a:ext cx="895680" cy="355680"/>
+            <a:ext cx="895320" cy="355320"/>
           </a:xfrm>
           <a:prstGeom prst="rect">
             <a:avLst/>
@@ -15124,7 +15124,7 @@
         <p:spPr>
           <a:xfrm>
             <a:off x="900000" y="1620000"/>
-            <a:ext cx="5395680" cy="715680"/>
+            <a:ext cx="5395320" cy="715320"/>
           </a:xfrm>
           <a:prstGeom prst="rect">
             <a:avLst/>
@@ -15183,7 +15183,7 @@
         <p:spPr>
           <a:xfrm>
             <a:off x="900000" y="2520000"/>
-            <a:ext cx="5395680" cy="2336400"/>
+            <a:ext cx="5395320" cy="2336040"/>
           </a:xfrm>
           <a:prstGeom prst="rect">
             <a:avLst/>
@@ -15242,7 +15242,7 @@
         <p:spPr>
           <a:xfrm>
             <a:off x="4680000" y="2880000"/>
-            <a:ext cx="1615680" cy="355680"/>
+            <a:ext cx="1615320" cy="355320"/>
           </a:xfrm>
           <a:prstGeom prst="rect">
             <a:avLst/>
@@ -15305,7 +15305,7 @@
         <p:spPr>
           <a:xfrm>
             <a:off x="180720" y="226080"/>
-            <a:ext cx="9538200" cy="5172840"/>
+            <a:ext cx="9537840" cy="5172480"/>
           </a:xfrm>
           <a:prstGeom prst="rect">
             <a:avLst/>
@@ -15402,7 +15402,7 @@
         <p:spPr>
           <a:xfrm>
             <a:off x="504000" y="226080"/>
-            <a:ext cx="9066960" cy="941760"/>
+            <a:ext cx="9066600" cy="941400"/>
           </a:xfrm>
           <a:prstGeom prst="rect">
             <a:avLst/>
@@ -15454,7 +15454,7 @@
         <p:spPr>
           <a:xfrm>
             <a:off x="720000" y="1440000"/>
-            <a:ext cx="5755680" cy="3595680"/>
+            <a:ext cx="5755320" cy="3595320"/>
           </a:xfrm>
           <a:prstGeom prst="rect">
             <a:avLst/>
@@ -15504,7 +15504,7 @@
         <p:spPr>
           <a:xfrm>
             <a:off x="3240000" y="4500000"/>
-            <a:ext cx="895680" cy="355680"/>
+            <a:ext cx="895320" cy="355320"/>
           </a:xfrm>
           <a:prstGeom prst="rect">
             <a:avLst/>
@@ -15567,7 +15567,7 @@
         <p:spPr>
           <a:xfrm>
             <a:off x="4320000" y="4500000"/>
-            <a:ext cx="895680" cy="355680"/>
+            <a:ext cx="895320" cy="355320"/>
           </a:xfrm>
           <a:prstGeom prst="rect">
             <a:avLst/>
@@ -15630,7 +15630,7 @@
         <p:spPr>
           <a:xfrm>
             <a:off x="900000" y="4500000"/>
-            <a:ext cx="895680" cy="355680"/>
+            <a:ext cx="895320" cy="355320"/>
           </a:xfrm>
           <a:prstGeom prst="rect">
             <a:avLst/>
@@ -15693,7 +15693,7 @@
         <p:spPr>
           <a:xfrm>
             <a:off x="5400000" y="4500000"/>
-            <a:ext cx="895680" cy="355680"/>
+            <a:ext cx="895320" cy="355320"/>
           </a:xfrm>
           <a:prstGeom prst="rect">
             <a:avLst/>
@@ -15756,7 +15756,7 @@
         <p:spPr>
           <a:xfrm>
             <a:off x="900000" y="1585080"/>
-            <a:ext cx="5395680" cy="3270600"/>
+            <a:ext cx="5395320" cy="3270240"/>
           </a:xfrm>
           <a:prstGeom prst="rect">
             <a:avLst/>
@@ -15815,7 +15815,7 @@
         <p:spPr>
           <a:xfrm>
             <a:off x="180720" y="226080"/>
-            <a:ext cx="9538200" cy="5172840"/>
+            <a:ext cx="9537840" cy="5172480"/>
           </a:xfrm>
           <a:prstGeom prst="rect">
             <a:avLst/>
@@ -15912,7 +15912,7 @@
         <p:spPr>
           <a:xfrm>
             <a:off x="504000" y="226080"/>
-            <a:ext cx="9066600" cy="941400"/>
+            <a:ext cx="9066240" cy="941040"/>
           </a:xfrm>
           <a:prstGeom prst="rect">
             <a:avLst/>
@@ -15963,7 +15963,7 @@
         <p:spPr>
           <a:xfrm>
             <a:off x="720000" y="1440000"/>
-            <a:ext cx="5755320" cy="3595320"/>
+            <a:ext cx="5754960" cy="3594960"/>
           </a:xfrm>
           <a:prstGeom prst="rect">
             <a:avLst/>
@@ -16013,7 +16013,7 @@
         <p:spPr>
           <a:xfrm>
             <a:off x="5400000" y="1980000"/>
-            <a:ext cx="895320" cy="355320"/>
+            <a:ext cx="894960" cy="354960"/>
           </a:xfrm>
           <a:prstGeom prst="rect">
             <a:avLst/>
@@ -16076,7 +16076,7 @@
         <p:spPr>
           <a:xfrm>
             <a:off x="900000" y="1620000"/>
-            <a:ext cx="5395320" cy="715320"/>
+            <a:ext cx="5394960" cy="714960"/>
           </a:xfrm>
           <a:prstGeom prst="rect">
             <a:avLst/>
@@ -16135,7 +16135,7 @@
         <p:spPr>
           <a:xfrm>
             <a:off x="900000" y="2520000"/>
-            <a:ext cx="5395320" cy="2335320"/>
+            <a:ext cx="5394960" cy="2334960"/>
           </a:xfrm>
           <a:prstGeom prst="rect">
             <a:avLst/>
@@ -16194,7 +16194,7 @@
         <p:spPr>
           <a:xfrm>
             <a:off x="180720" y="226080"/>
-            <a:ext cx="9538200" cy="5172840"/>
+            <a:ext cx="9537840" cy="5172480"/>
           </a:xfrm>
           <a:prstGeom prst="rect">
             <a:avLst/>
@@ -16291,7 +16291,7 @@
         <p:spPr>
           <a:xfrm>
             <a:off x="504000" y="226080"/>
-            <a:ext cx="9066600" cy="941400"/>
+            <a:ext cx="9066240" cy="941040"/>
           </a:xfrm>
           <a:prstGeom prst="rect">
             <a:avLst/>
@@ -16355,7 +16355,7 @@
         <p:spPr>
           <a:xfrm>
             <a:off x="504000" y="1326600"/>
-            <a:ext cx="9066600" cy="3283200"/>
+            <a:ext cx="9066240" cy="3282840"/>
           </a:xfrm>
           <a:prstGeom prst="rect">
             <a:avLst/>
@@ -16744,7 +16744,7 @@
         <p:spPr>
           <a:xfrm>
             <a:off x="180000" y="4500000"/>
-            <a:ext cx="537840" cy="357840"/>
+            <a:ext cx="537480" cy="357480"/>
           </a:xfrm>
           <a:prstGeom prst="rect">
             <a:avLst/>
@@ -16798,7 +16798,7 @@
         <p:spPr>
           <a:xfrm>
             <a:off x="180000" y="3060000"/>
-            <a:ext cx="537840" cy="717840"/>
+            <a:ext cx="537480" cy="717480"/>
           </a:xfrm>
           <a:prstGeom prst="rect">
             <a:avLst/>
@@ -16886,7 +16886,7 @@
         <p:spPr>
           <a:xfrm>
             <a:off x="504000" y="226080"/>
-            <a:ext cx="9066600" cy="941400"/>
+            <a:ext cx="9066240" cy="941040"/>
           </a:xfrm>
           <a:prstGeom prst="rect">
             <a:avLst/>
@@ -16941,7 +16941,7 @@
         <p:spPr>
           <a:xfrm>
             <a:off x="504000" y="1326600"/>
-            <a:ext cx="9066600" cy="3283200"/>
+            <a:ext cx="9066240" cy="3282840"/>
           </a:xfrm>
           <a:prstGeom prst="rect">
             <a:avLst/>
@@ -17031,7 +17031,7 @@
         <p:spPr>
           <a:xfrm>
             <a:off x="504000" y="226080"/>
-            <a:ext cx="9066600" cy="941400"/>
+            <a:ext cx="9066240" cy="941040"/>
           </a:xfrm>
           <a:prstGeom prst="rect">
             <a:avLst/>
@@ -17086,7 +17086,7 @@
         <p:spPr>
           <a:xfrm>
             <a:off x="504000" y="1326600"/>
-            <a:ext cx="9066600" cy="4068360"/>
+            <a:ext cx="9066240" cy="4068000"/>
           </a:xfrm>
           <a:prstGeom prst="rect">
             <a:avLst/>
@@ -17587,7 +17587,7 @@
         <p:spPr>
           <a:xfrm>
             <a:off x="6120000" y="1326600"/>
-            <a:ext cx="3055320" cy="343440"/>
+            <a:ext cx="3054960" cy="343080"/>
           </a:xfrm>
           <a:prstGeom prst="rect">
             <a:avLst/>
@@ -17654,7 +17654,7 @@
         <p:spPr>
           <a:xfrm>
             <a:off x="540000" y="360000"/>
-            <a:ext cx="2699640" cy="341640"/>
+            <a:ext cx="2699280" cy="341280"/>
           </a:xfrm>
           <a:prstGeom prst="rect">
             <a:avLst/>
@@ -17686,6 +17686,7 @@
                   <a:srgbClr val="000000"/>
                 </a:solidFill>
                 <a:latin typeface="Arial"/>
+                <a:ea typeface="DejaVu Sans"/>
               </a:rPr>
               <a:t>利用想定：模型屋さんの在庫管理</a:t>
             </a:r>
@@ -17741,7 +17742,7 @@
         <p:spPr>
           <a:xfrm>
             <a:off x="504000" y="226080"/>
-            <a:ext cx="9066600" cy="941400"/>
+            <a:ext cx="9066240" cy="941040"/>
           </a:xfrm>
           <a:prstGeom prst="rect">
             <a:avLst/>
@@ -17796,7 +17797,7 @@
         <p:spPr>
           <a:xfrm>
             <a:off x="504000" y="1326600"/>
-            <a:ext cx="9066600" cy="3708360"/>
+            <a:ext cx="9066240" cy="3708000"/>
           </a:xfrm>
           <a:prstGeom prst="rect">
             <a:avLst/>
@@ -17832,16 +17833,7 @@
                 </a:solidFill>
                 <a:latin typeface="Arial"/>
               </a:rPr>
-              <a:t>ログイン画面：</a:t>
-            </a:r>
-            <a:r>
-              <a:rPr b="0" lang="en-US" sz="2000" spc="-1" strike="noStrike">
-                <a:solidFill>
-                  <a:srgbClr val="000000"/>
-                </a:solidFill>
-                <a:latin typeface="Arial"/>
-              </a:rPr>
-              <a:t>login</a:t>
+              <a:t>ログイン画面</a:t>
             </a:r>
             <a:endParaRPr b="0" lang="en-US" sz="2000" spc="-1" strike="noStrike">
               <a:solidFill>
@@ -18170,7 +18162,7 @@
         <p:spPr>
           <a:xfrm>
             <a:off x="504000" y="226080"/>
-            <a:ext cx="9066600" cy="941400"/>
+            <a:ext cx="9066240" cy="941040"/>
           </a:xfrm>
           <a:prstGeom prst="rect">
             <a:avLst/>
@@ -18221,7 +18213,7 @@
         <p:spPr>
           <a:xfrm>
             <a:off x="720000" y="1440000"/>
-            <a:ext cx="1435320" cy="715320"/>
+            <a:ext cx="1434960" cy="714960"/>
           </a:xfrm>
           <a:prstGeom prst="rect">
             <a:avLst/>
@@ -18284,7 +18276,7 @@
         <p:spPr>
           <a:xfrm>
             <a:off x="3600000" y="1440000"/>
-            <a:ext cx="1435320" cy="715320"/>
+            <a:ext cx="1434960" cy="714960"/>
           </a:xfrm>
           <a:prstGeom prst="rect">
             <a:avLst/>
@@ -18349,8 +18341,8 @@
         </p:nvCxnSpPr>
         <p:spPr>
           <a:xfrm>
-            <a:off x="2155320" y="1797480"/>
-            <a:ext cx="1445040" cy="360"/>
+            <a:off x="2154960" y="1797480"/>
+            <a:ext cx="1445400" cy="360"/>
           </a:xfrm>
           <a:prstGeom prst="bentConnector2">
             <a:avLst/>
@@ -18371,7 +18363,7 @@
         <p:spPr>
           <a:xfrm>
             <a:off x="4320000" y="3240000"/>
-            <a:ext cx="1435320" cy="715320"/>
+            <a:ext cx="1434960" cy="714960"/>
           </a:xfrm>
           <a:prstGeom prst="rect">
             <a:avLst/>
@@ -18460,7 +18452,7 @@
         <p:spPr>
           <a:xfrm>
             <a:off x="2340000" y="3240000"/>
-            <a:ext cx="1435320" cy="1075320"/>
+            <a:ext cx="1434960" cy="1074960"/>
           </a:xfrm>
           <a:prstGeom prst="rect">
             <a:avLst/>
@@ -18549,7 +18541,7 @@
         <p:spPr>
           <a:xfrm>
             <a:off x="720000" y="3240000"/>
-            <a:ext cx="1435320" cy="1075320"/>
+            <a:ext cx="1434960" cy="1074960"/>
           </a:xfrm>
           <a:prstGeom prst="rect">
             <a:avLst/>
@@ -18638,7 +18630,7 @@
         <p:spPr>
           <a:xfrm>
             <a:off x="6120000" y="4140000"/>
-            <a:ext cx="1435320" cy="715320"/>
+            <a:ext cx="1434960" cy="714960"/>
           </a:xfrm>
           <a:prstGeom prst="rect">
             <a:avLst/>
@@ -18727,7 +18719,7 @@
         <p:spPr>
           <a:xfrm>
             <a:off x="8100000" y="3240000"/>
-            <a:ext cx="1435320" cy="1075320"/>
+            <a:ext cx="1434960" cy="1074960"/>
           </a:xfrm>
           <a:prstGeom prst="rect">
             <a:avLst/>
@@ -18819,11 +18811,11 @@
         <p:spPr>
           <a:xfrm rot="5400000">
             <a:off x="2334960" y="1257480"/>
-            <a:ext cx="1085040" cy="2880360"/>
+            <a:ext cx="1085400" cy="2880360"/>
           </a:xfrm>
           <a:prstGeom prst="bentConnector3">
             <a:avLst>
-              <a:gd name="adj1" fmla="val 50248"/>
+              <a:gd name="adj1" fmla="val 50232"/>
             </a:avLst>
           </a:prstGeom>
           <a:ln w="0">
@@ -18845,11 +18837,11 @@
         <p:spPr>
           <a:xfrm rot="5400000">
             <a:off x="3144960" y="2067480"/>
-            <a:ext cx="1085040" cy="1260360"/>
+            <a:ext cx="1085400" cy="1260360"/>
           </a:xfrm>
           <a:prstGeom prst="bentConnector3">
             <a:avLst>
-              <a:gd name="adj1" fmla="val 50248"/>
+              <a:gd name="adj1" fmla="val 50232"/>
             </a:avLst>
           </a:prstGeom>
           <a:ln w="0">
@@ -18870,12 +18862,12 @@
         </p:nvCxnSpPr>
         <p:spPr>
           <a:xfrm flipH="1" rot="16200000">
-            <a:off x="4135320" y="2337480"/>
-            <a:ext cx="1085040" cy="720360"/>
+            <a:off x="4134960" y="2337480"/>
+            <a:ext cx="1085400" cy="720360"/>
           </a:xfrm>
           <a:prstGeom prst="bentConnector3">
             <a:avLst>
-              <a:gd name="adj1" fmla="val 50248"/>
+              <a:gd name="adj1" fmla="val 50232"/>
             </a:avLst>
           </a:prstGeom>
           <a:ln w="0">
@@ -18896,8 +18888,8 @@
         </p:nvCxnSpPr>
         <p:spPr>
           <a:xfrm>
-            <a:off x="5755320" y="3597480"/>
-            <a:ext cx="1082520" cy="542880"/>
+            <a:off x="5754960" y="3597480"/>
+            <a:ext cx="1082880" cy="542880"/>
           </a:xfrm>
           <a:prstGeom prst="bentConnector2">
             <a:avLst/>
@@ -18920,12 +18912,12 @@
         </p:nvCxnSpPr>
         <p:spPr>
           <a:xfrm flipH="1" rot="16200000">
-            <a:off x="6025320" y="447480"/>
-            <a:ext cx="1085040" cy="4500360"/>
+            <a:off x="6024960" y="447480"/>
+            <a:ext cx="1085400" cy="4500360"/>
           </a:xfrm>
           <a:prstGeom prst="bentConnector3">
             <a:avLst>
-              <a:gd name="adj1" fmla="val 50248"/>
+              <a:gd name="adj1" fmla="val 50232"/>
             </a:avLst>
           </a:prstGeom>
           <a:ln w="0">
@@ -18944,7 +18936,7 @@
         <p:spPr>
           <a:xfrm>
             <a:off x="540000" y="3060000"/>
-            <a:ext cx="3415320" cy="1975320"/>
+            <a:ext cx="3414960" cy="1974960"/>
           </a:xfrm>
           <a:prstGeom prst="rect">
             <a:avLst/>
@@ -19083,7 +19075,7 @@
         <p:spPr>
           <a:xfrm>
             <a:off x="4140000" y="3060000"/>
-            <a:ext cx="3595320" cy="1975320"/>
+            <a:ext cx="3594960" cy="1974960"/>
           </a:xfrm>
           <a:prstGeom prst="rect">
             <a:avLst/>
@@ -19222,7 +19214,7 @@
         <p:spPr>
           <a:xfrm>
             <a:off x="7920000" y="3060000"/>
-            <a:ext cx="1795320" cy="1975320"/>
+            <a:ext cx="1794960" cy="1974960"/>
           </a:xfrm>
           <a:prstGeom prst="rect">
             <a:avLst/>
@@ -19361,7 +19353,7 @@
         <p:spPr>
           <a:xfrm>
             <a:off x="5580000" y="720000"/>
-            <a:ext cx="2515320" cy="1255320"/>
+            <a:ext cx="2514960" cy="1254960"/>
           </a:xfrm>
           <a:prstGeom prst="wedgeRoundRectCallout">
             <a:avLst>
@@ -19427,8 +19419,8 @@
         </p:nvSpPr>
         <p:spPr>
           <a:xfrm rot="18900000">
-            <a:off x="2337120" y="720000"/>
-            <a:ext cx="4496760" cy="4315320"/>
+            <a:off x="2336760" y="720000"/>
+            <a:ext cx="4496400" cy="4314960"/>
           </a:xfrm>
           <a:prstGeom prst="plus">
             <a:avLst>
@@ -19518,7 +19510,7 @@
         <p:spPr>
           <a:xfrm>
             <a:off x="504000" y="226080"/>
-            <a:ext cx="9066600" cy="941400"/>
+            <a:ext cx="9066240" cy="941040"/>
           </a:xfrm>
           <a:prstGeom prst="rect">
             <a:avLst/>
@@ -19569,7 +19561,7 @@
         <p:spPr>
           <a:xfrm>
             <a:off x="900000" y="720000"/>
-            <a:ext cx="7804080" cy="3431160"/>
+            <a:ext cx="7803720" cy="3430800"/>
           </a:xfrm>
           <a:prstGeom prst="rect">
             <a:avLst/>
@@ -20600,7 +20592,7 @@
         <p:spPr>
           <a:xfrm>
             <a:off x="1800000" y="2916000"/>
-            <a:ext cx="3418200" cy="862560"/>
+            <a:ext cx="3417840" cy="862200"/>
           </a:xfrm>
           <a:prstGeom prst="rect">
             <a:avLst/>
@@ -20652,7 +20644,7 @@
         <p:spPr>
           <a:xfrm>
             <a:off x="1800360" y="3996000"/>
-            <a:ext cx="3418200" cy="1222560"/>
+            <a:ext cx="3417840" cy="1222200"/>
           </a:xfrm>
           <a:prstGeom prst="rect">
             <a:avLst/>
@@ -20704,7 +20696,7 @@
         <p:spPr>
           <a:xfrm>
             <a:off x="1800360" y="1296000"/>
-            <a:ext cx="3418200" cy="322560"/>
+            <a:ext cx="3417840" cy="322200"/>
           </a:xfrm>
           <a:prstGeom prst="rect">
             <a:avLst/>
@@ -20790,7 +20782,7 @@
         <p:spPr>
           <a:xfrm>
             <a:off x="504000" y="226080"/>
-            <a:ext cx="9066600" cy="941400"/>
+            <a:ext cx="9066240" cy="941040"/>
           </a:xfrm>
           <a:prstGeom prst="rect">
             <a:avLst/>
@@ -20841,7 +20833,7 @@
         <p:spPr>
           <a:xfrm>
             <a:off x="720000" y="1440000"/>
-            <a:ext cx="5755320" cy="3595320"/>
+            <a:ext cx="5754960" cy="3594960"/>
           </a:xfrm>
           <a:prstGeom prst="rect">
             <a:avLst/>
@@ -20891,7 +20883,7 @@
         <p:spPr>
           <a:xfrm>
             <a:off x="1440000" y="2520000"/>
-            <a:ext cx="1435320" cy="341640"/>
+            <a:ext cx="1434960" cy="341280"/>
           </a:xfrm>
           <a:prstGeom prst="rect">
             <a:avLst/>
@@ -20948,7 +20940,7 @@
         <p:spPr>
           <a:xfrm>
             <a:off x="1440000" y="3060000"/>
-            <a:ext cx="1435320" cy="343440"/>
+            <a:ext cx="1434960" cy="343080"/>
           </a:xfrm>
           <a:prstGeom prst="rect">
             <a:avLst/>
@@ -21015,7 +21007,7 @@
         <p:spPr>
           <a:xfrm>
             <a:off x="2880000" y="2520000"/>
-            <a:ext cx="2155320" cy="355320"/>
+            <a:ext cx="2154960" cy="354960"/>
           </a:xfrm>
           <a:prstGeom prst="rect">
             <a:avLst/>
@@ -21065,7 +21057,7 @@
         <p:spPr>
           <a:xfrm>
             <a:off x="2880000" y="3060000"/>
-            <a:ext cx="2155320" cy="355320"/>
+            <a:ext cx="2154960" cy="354960"/>
           </a:xfrm>
           <a:prstGeom prst="rect">
             <a:avLst/>
@@ -21115,7 +21107,7 @@
         <p:spPr>
           <a:xfrm>
             <a:off x="2880000" y="4320000"/>
-            <a:ext cx="1435320" cy="355320"/>
+            <a:ext cx="1434960" cy="354960"/>
           </a:xfrm>
           <a:prstGeom prst="rect">
             <a:avLst/>
@@ -21208,7 +21200,7 @@
         <p:spPr>
           <a:xfrm>
             <a:off x="720000" y="1800000"/>
-            <a:ext cx="2696400" cy="2516400"/>
+            <a:ext cx="2696040" cy="2516040"/>
           </a:xfrm>
           <a:prstGeom prst="rect">
             <a:avLst/>
@@ -21266,7 +21258,7 @@
         <p:spPr>
           <a:xfrm>
             <a:off x="504000" y="226080"/>
-            <a:ext cx="9066600" cy="941400"/>
+            <a:ext cx="9066240" cy="941040"/>
           </a:xfrm>
           <a:prstGeom prst="rect">
             <a:avLst/>
@@ -21317,7 +21309,7 @@
         <p:spPr>
           <a:xfrm>
             <a:off x="720000" y="1440000"/>
-            <a:ext cx="5755320" cy="3595320"/>
+            <a:ext cx="5754960" cy="3594960"/>
           </a:xfrm>
           <a:prstGeom prst="rect">
             <a:avLst/>
@@ -21367,7 +21359,7 @@
         <p:spPr>
           <a:xfrm>
             <a:off x="900000" y="3421080"/>
-            <a:ext cx="2336400" cy="355320"/>
+            <a:ext cx="2336040" cy="354960"/>
           </a:xfrm>
           <a:prstGeom prst="rect">
             <a:avLst/>
@@ -21430,7 +21422,7 @@
         <p:spPr>
           <a:xfrm>
             <a:off x="900000" y="3058920"/>
-            <a:ext cx="2336400" cy="357480"/>
+            <a:ext cx="2336040" cy="357120"/>
           </a:xfrm>
           <a:prstGeom prst="rect">
             <a:avLst/>
@@ -21493,7 +21485,7 @@
         <p:spPr>
           <a:xfrm>
             <a:off x="900000" y="2698920"/>
-            <a:ext cx="2336400" cy="356400"/>
+            <a:ext cx="2336040" cy="356040"/>
           </a:xfrm>
           <a:prstGeom prst="rect">
             <a:avLst/>
@@ -21556,7 +21548,7 @@
         <p:spPr>
           <a:xfrm>
             <a:off x="900000" y="3780000"/>
-            <a:ext cx="2336400" cy="356400"/>
+            <a:ext cx="2336040" cy="356040"/>
           </a:xfrm>
           <a:prstGeom prst="rect">
             <a:avLst/>
@@ -21619,7 +21611,7 @@
         <p:spPr>
           <a:xfrm>
             <a:off x="900000" y="1980000"/>
-            <a:ext cx="2336400" cy="356400"/>
+            <a:ext cx="2336040" cy="356040"/>
           </a:xfrm>
           <a:prstGeom prst="rect">
             <a:avLst/>
@@ -21682,7 +21674,7 @@
         <p:spPr>
           <a:xfrm>
             <a:off x="4680000" y="1621080"/>
-            <a:ext cx="1615320" cy="355320"/>
+            <a:ext cx="1614960" cy="354960"/>
           </a:xfrm>
           <a:prstGeom prst="rect">
             <a:avLst/>
@@ -21745,7 +21737,7 @@
         <p:spPr>
           <a:xfrm>
             <a:off x="900000" y="2340000"/>
-            <a:ext cx="2336400" cy="356400"/>
+            <a:ext cx="2336040" cy="356040"/>
           </a:xfrm>
           <a:prstGeom prst="rect">
             <a:avLst/>
@@ -21808,7 +21800,7 @@
         <p:spPr>
           <a:xfrm>
             <a:off x="3600000" y="2160000"/>
-            <a:ext cx="2696400" cy="2696400"/>
+            <a:ext cx="2696040" cy="2696040"/>
           </a:xfrm>
           <a:prstGeom prst="rect">
             <a:avLst/>
@@ -22069,7 +22061,7 @@
         <p:spPr>
           <a:xfrm>
             <a:off x="504000" y="226080"/>
-            <a:ext cx="9066960" cy="941760"/>
+            <a:ext cx="9066600" cy="941400"/>
           </a:xfrm>
           <a:prstGeom prst="rect">
             <a:avLst/>
@@ -22121,7 +22113,7 @@
         <p:spPr>
           <a:xfrm>
             <a:off x="720000" y="1440000"/>
-            <a:ext cx="5755680" cy="3595680"/>
+            <a:ext cx="5755320" cy="3595320"/>
           </a:xfrm>
           <a:prstGeom prst="rect">
             <a:avLst/>
@@ -22171,7 +22163,7 @@
         <p:spPr>
           <a:xfrm>
             <a:off x="5400000" y="1980000"/>
-            <a:ext cx="895680" cy="355680"/>
+            <a:ext cx="895320" cy="355320"/>
           </a:xfrm>
           <a:prstGeom prst="rect">
             <a:avLst/>
@@ -22234,7 +22226,7 @@
         <p:spPr>
           <a:xfrm>
             <a:off x="900000" y="1620000"/>
-            <a:ext cx="5395680" cy="715680"/>
+            <a:ext cx="5395320" cy="715320"/>
           </a:xfrm>
           <a:prstGeom prst="rect">
             <a:avLst/>
@@ -22293,7 +22285,7 @@
         <p:spPr>
           <a:xfrm>
             <a:off x="900000" y="2520000"/>
-            <a:ext cx="5395680" cy="2336400"/>
+            <a:ext cx="5395320" cy="2336040"/>
           </a:xfrm>
           <a:prstGeom prst="rect">
             <a:avLst/>
@@ -22352,7 +22344,7 @@
         <p:spPr>
           <a:xfrm>
             <a:off x="4680000" y="2880000"/>
-            <a:ext cx="1615680" cy="355680"/>
+            <a:ext cx="1615320" cy="355320"/>
           </a:xfrm>
           <a:prstGeom prst="rect">
             <a:avLst/>
@@ -22415,7 +22407,7 @@
         <p:spPr>
           <a:xfrm>
             <a:off x="2883240" y="2880000"/>
-            <a:ext cx="1615680" cy="355680"/>
+            <a:ext cx="1615320" cy="355320"/>
           </a:xfrm>
           <a:prstGeom prst="rect">
             <a:avLst/>
